--- a/Presentation1.baocaogiadoan.pptx
+++ b/Presentation1.baocaogiadoan.pptx
@@ -113,6 +113,11 @@
       </a:defRPr>
     </a:lvl9pPr>
   </p:defaultTextStyle>
+  <p:extLst>
+    <p:ext uri="{EFAFB233-063F-42B5-8137-9DF3F51BA10A}">
+      <p15:sldGuideLst xmlns:p15="http://schemas.microsoft.com/office/powerpoint/2012/main"/>
+    </p:ext>
+  </p:extLst>
 </p:presentation>
 </file>
 
@@ -292,7 +297,7 @@
           <a:p>
             <a:fld id="{48A87A34-81AB-432B-8DAE-1953F412C126}" type="datetimeFigureOut">
               <a:rPr lang="en-US" dirty="0"/>
-              <a:t>11/10/20</a:t>
+              <a:t>11/13/2020</a:t>
             </a:fld>
             <a:endParaRPr lang="en-US" dirty="0"/>
           </a:p>
@@ -498,7 +503,7 @@
           <a:p>
             <a:fld id="{48A87A34-81AB-432B-8DAE-1953F412C126}" type="datetimeFigureOut">
               <a:rPr lang="en-US" dirty="0"/>
-              <a:t>11/10/20</a:t>
+              <a:t>11/13/2020</a:t>
             </a:fld>
             <a:endParaRPr lang="en-US" dirty="0"/>
           </a:p>
@@ -708,7 +713,7 @@
           <a:p>
             <a:fld id="{48A87A34-81AB-432B-8DAE-1953F412C126}" type="datetimeFigureOut">
               <a:rPr lang="en-US" dirty="0"/>
-              <a:t>11/10/20</a:t>
+              <a:t>11/13/2020</a:t>
             </a:fld>
             <a:endParaRPr lang="en-US" dirty="0"/>
           </a:p>
@@ -904,7 +909,7 @@
           <a:p>
             <a:fld id="{48A87A34-81AB-432B-8DAE-1953F412C126}" type="datetimeFigureOut">
               <a:rPr lang="en-US" dirty="0"/>
-              <a:t>11/10/20</a:t>
+              <a:t>11/13/2020</a:t>
             </a:fld>
             <a:endParaRPr lang="en-US" dirty="0"/>
           </a:p>
@@ -1178,7 +1183,7 @@
           <a:p>
             <a:fld id="{48A87A34-81AB-432B-8DAE-1953F412C126}" type="datetimeFigureOut">
               <a:rPr lang="en-US" dirty="0"/>
-              <a:t>11/10/20</a:t>
+              <a:t>11/13/2020</a:t>
             </a:fld>
             <a:endParaRPr lang="en-US" dirty="0"/>
           </a:p>
@@ -1441,7 +1446,7 @@
           <a:p>
             <a:fld id="{48A87A34-81AB-432B-8DAE-1953F412C126}" type="datetimeFigureOut">
               <a:rPr lang="en-US" dirty="0"/>
-              <a:t>11/10/20</a:t>
+              <a:t>11/13/2020</a:t>
             </a:fld>
             <a:endParaRPr lang="en-US" dirty="0"/>
           </a:p>
@@ -1852,7 +1857,7 @@
           <a:p>
             <a:fld id="{48A87A34-81AB-432B-8DAE-1953F412C126}" type="datetimeFigureOut">
               <a:rPr lang="en-US" dirty="0"/>
-              <a:t>11/10/20</a:t>
+              <a:t>11/13/2020</a:t>
             </a:fld>
             <a:endParaRPr lang="en-US" dirty="0"/>
           </a:p>
@@ -1996,7 +2001,7 @@
           <a:p>
             <a:fld id="{48A87A34-81AB-432B-8DAE-1953F412C126}" type="datetimeFigureOut">
               <a:rPr lang="en-US" dirty="0"/>
-              <a:t>11/10/20</a:t>
+              <a:t>11/13/2020</a:t>
             </a:fld>
             <a:endParaRPr lang="en-US" dirty="0"/>
           </a:p>
@@ -2117,7 +2122,7 @@
           <a:p>
             <a:fld id="{48A87A34-81AB-432B-8DAE-1953F412C126}" type="datetimeFigureOut">
               <a:rPr lang="en-US" dirty="0"/>
-              <a:t>11/10/20</a:t>
+              <a:t>11/13/2020</a:t>
             </a:fld>
             <a:endParaRPr lang="en-US" dirty="0"/>
           </a:p>
@@ -2363,7 +2368,7 @@
           <a:p>
             <a:fld id="{48A87A34-81AB-432B-8DAE-1953F412C126}" type="datetimeFigureOut">
               <a:rPr lang="en-US" dirty="0"/>
-              <a:t>11/10/20</a:t>
+              <a:t>11/13/2020</a:t>
             </a:fld>
             <a:endParaRPr lang="en-US" dirty="0"/>
           </a:p>
@@ -2804,7 +2809,7 @@
             <a:fld id="{48A87A34-81AB-432B-8DAE-1953F412C126}" type="datetimeFigureOut">
               <a:rPr lang="en-US" dirty="0"/>
               <a:pPr/>
-              <a:t>11/10/20</a:t>
+              <a:t>11/13/2020</a:t>
             </a:fld>
             <a:endParaRPr lang="en-US" dirty="0"/>
           </a:p>
@@ -3127,7 +3132,7 @@
             <a:fld id="{48A87A34-81AB-432B-8DAE-1953F412C126}" type="datetimeFigureOut">
               <a:rPr lang="en-US" dirty="0"/>
               <a:pPr/>
-              <a:t>11/10/20</a:t>
+              <a:t>11/13/2020</a:t>
             </a:fld>
             <a:endParaRPr lang="en-US" dirty="0"/>
           </a:p>
@@ -3729,13 +3734,13 @@
   <p:clrMapOvr>
     <a:overrideClrMapping bg1="lt1" tx1="dk1" bg2="lt2" tx2="dk2" accent1="accent1" accent2="accent2" accent3="accent3" accent4="accent4" accent5="accent5" accent6="accent6" hlink="hlink" folHlink="folHlink"/>
   </p:clrMapOvr>
-  <mc:AlternateContent xmlns:mc="http://schemas.openxmlformats.org/markup-compatibility/2006">
-    <mc:Choice xmlns:p14="http://schemas.microsoft.com/office/powerpoint/2010/main" Requires="p14">
+  <mc:AlternateContent xmlns:mc="http://schemas.openxmlformats.org/markup-compatibility/2006" xmlns:p14="http://schemas.microsoft.com/office/powerpoint/2010/main">
+    <mc:Choice Requires="p14">
       <p:transition spd="slow" p14:dur="1500">
         <p:split orient="vert"/>
       </p:transition>
     </mc:Choice>
-    <mc:Fallback>
+    <mc:Fallback xmlns="">
       <p:transition spd="slow">
         <p:split orient="vert"/>
       </p:transition>
@@ -4546,7 +4551,12 @@
             <p:ph type="title"/>
           </p:nvPr>
         </p:nvSpPr>
-        <p:spPr/>
+        <p:spPr>
+          <a:xfrm>
+            <a:off x="0" y="0"/>
+            <a:ext cx="9603275" cy="1049235"/>
+          </a:xfrm>
+        </p:spPr>
         <p:txBody>
           <a:bodyPr>
             <a:normAutofit/>
@@ -4565,10 +4575,10 @@
       </p:sp>
       <p:graphicFrame>
         <p:nvGraphicFramePr>
-          <p:cNvPr id="4" name="Content Placeholder 3">
+          <p:cNvPr id="6" name="Table 5">
             <a:extLst>
               <a:ext uri="{FF2B5EF4-FFF2-40B4-BE49-F238E27FC236}">
-                <a16:creationId xmlns:a16="http://schemas.microsoft.com/office/drawing/2014/main" id="{1500DB03-C278-2648-9306-150A0B1A5FEC}"/>
+                <a16:creationId xmlns:a16="http://schemas.microsoft.com/office/drawing/2014/main" id="{5B9A9727-087B-47E6-9BAA-EA1D54B029F6}"/>
               </a:ext>
             </a:extLst>
           </p:cNvPr>
@@ -4576,89 +4586,220 @@
             <a:graphicFrameLocks noGrp="1"/>
           </p:cNvGraphicFramePr>
           <p:nvPr>
-            <p:ph idx="1"/>
             <p:extLst>
               <p:ext uri="{D42A27DB-BD31-4B8C-83A1-F6EECF244321}">
-                <p14:modId xmlns:p14="http://schemas.microsoft.com/office/powerpoint/2010/main" val="2202922642"/>
+                <p14:modId xmlns:p14="http://schemas.microsoft.com/office/powerpoint/2010/main" val="3973059615"/>
               </p:ext>
             </p:extLst>
           </p:nvPr>
         </p:nvGraphicFramePr>
         <p:xfrm>
-          <a:off x="3284537" y="2948464"/>
-          <a:ext cx="5937250" cy="1783080"/>
+          <a:off x="0" y="301842"/>
+          <a:ext cx="12191999" cy="4533980"/>
         </p:xfrm>
         <a:graphic>
           <a:graphicData uri="http://schemas.openxmlformats.org/drawingml/2006/table">
             <a:tbl>
-              <a:tblPr firstRow="1" firstCol="1" bandRow="1">
+              <a:tblPr firstRow="1" firstCol="1" lastRow="1" lastCol="1" bandRow="1" bandCol="1">
                 <a:tableStyleId>{5C22544A-7EE6-4342-B048-85BDC9FD1C3A}</a:tableStyleId>
               </a:tblPr>
               <a:tblGrid>
-                <a:gridCol w="901065">
+                <a:gridCol w="634111">
                   <a:extLst>
                     <a:ext uri="{9D8B030D-6E8A-4147-A177-3AD203B41FA5}">
-                      <a16:colId xmlns:a16="http://schemas.microsoft.com/office/drawing/2014/main" val="3869686401"/>
+                      <a16:colId xmlns:a16="http://schemas.microsoft.com/office/drawing/2014/main" val="16911919"/>
                     </a:ext>
                   </a:extLst>
                 </a:gridCol>
-                <a:gridCol w="932180">
+                <a:gridCol w="2763826">
                   <a:extLst>
                     <a:ext uri="{9D8B030D-6E8A-4147-A177-3AD203B41FA5}">
-                      <a16:colId xmlns:a16="http://schemas.microsoft.com/office/drawing/2014/main" val="803180716"/>
+                      <a16:colId xmlns:a16="http://schemas.microsoft.com/office/drawing/2014/main" val="599317737"/>
                     </a:ext>
                   </a:extLst>
                 </a:gridCol>
-                <a:gridCol w="1347470">
+                <a:gridCol w="4522599">
                   <a:extLst>
                     <a:ext uri="{9D8B030D-6E8A-4147-A177-3AD203B41FA5}">
-                      <a16:colId xmlns:a16="http://schemas.microsoft.com/office/drawing/2014/main" val="3141818817"/>
+                      <a16:colId xmlns:a16="http://schemas.microsoft.com/office/drawing/2014/main" val="2776302957"/>
                     </a:ext>
                   </a:extLst>
                 </a:gridCol>
-                <a:gridCol w="923290">
+                <a:gridCol w="1631288">
                   <a:extLst>
                     <a:ext uri="{9D8B030D-6E8A-4147-A177-3AD203B41FA5}">
-                      <a16:colId xmlns:a16="http://schemas.microsoft.com/office/drawing/2014/main" val="1314141312"/>
+                      <a16:colId xmlns:a16="http://schemas.microsoft.com/office/drawing/2014/main" val="1767258492"/>
                     </a:ext>
                   </a:extLst>
                 </a:gridCol>
-                <a:gridCol w="923925">
+                <a:gridCol w="1305028">
                   <a:extLst>
                     <a:ext uri="{9D8B030D-6E8A-4147-A177-3AD203B41FA5}">
-                      <a16:colId xmlns:a16="http://schemas.microsoft.com/office/drawing/2014/main" val="727181736"/>
+                      <a16:colId xmlns:a16="http://schemas.microsoft.com/office/drawing/2014/main" val="869331452"/>
                     </a:ext>
                   </a:extLst>
                 </a:gridCol>
-                <a:gridCol w="909320">
+                <a:gridCol w="1335147">
                   <a:extLst>
                     <a:ext uri="{9D8B030D-6E8A-4147-A177-3AD203B41FA5}">
-                      <a16:colId xmlns:a16="http://schemas.microsoft.com/office/drawing/2014/main" val="3045184633"/>
+                      <a16:colId xmlns:a16="http://schemas.microsoft.com/office/drawing/2014/main" val="2570385017"/>
                     </a:ext>
                   </a:extLst>
                 </a:gridCol>
               </a:tblGrid>
-              <a:tr h="0">
+              <a:tr h="786473">
+                <a:tc>
+                  <a:txBody>
+                    <a:bodyPr/>
+                    <a:lstStyle/>
+                    <a:p>
+                      <a:pPr algn="ctr"/>
+                      <a:r>
+                        <a:rPr lang="en-US" sz="1000">
+                          <a:effectLst/>
+                        </a:rPr>
+                        <a:t>STT</a:t>
+                      </a:r>
+                      <a:endParaRPr lang="en-US" sz="800">
+                        <a:effectLst/>
+                        <a:latin typeface="Times New Roman" panose="02020603050405020304" pitchFamily="18" charset="0"/>
+                        <a:ea typeface="Times New Roman" panose="02020603050405020304" pitchFamily="18" charset="0"/>
+                      </a:endParaRPr>
+                    </a:p>
+                  </a:txBody>
+                  <a:tcPr marL="48209" marR="48209" marT="0" marB="0"/>
+                </a:tc>
+                <a:tc>
+                  <a:txBody>
+                    <a:bodyPr/>
+                    <a:lstStyle/>
+                    <a:p>
+                      <a:pPr algn="ctr"/>
+                      <a:r>
+                        <a:rPr lang="en-US" sz="1000">
+                          <a:effectLst/>
+                        </a:rPr>
+                        <a:t>Họ và tên</a:t>
+                      </a:r>
+                      <a:endParaRPr lang="en-US" sz="800">
+                        <a:effectLst/>
+                        <a:latin typeface="Times New Roman" panose="02020603050405020304" pitchFamily="18" charset="0"/>
+                        <a:ea typeface="Times New Roman" panose="02020603050405020304" pitchFamily="18" charset="0"/>
+                      </a:endParaRPr>
+                    </a:p>
+                  </a:txBody>
+                  <a:tcPr marL="48209" marR="48209" marT="0" marB="0"/>
+                </a:tc>
+                <a:tc>
+                  <a:txBody>
+                    <a:bodyPr/>
+                    <a:lstStyle/>
+                    <a:p>
+                      <a:pPr algn="ctr"/>
+                      <a:r>
+                        <a:rPr lang="en-US" sz="1000">
+                          <a:effectLst/>
+                        </a:rPr>
+                        <a:t>Nội dung công việc</a:t>
+                      </a:r>
+                      <a:endParaRPr lang="en-US" sz="800">
+                        <a:effectLst/>
+                        <a:latin typeface="Times New Roman" panose="02020603050405020304" pitchFamily="18" charset="0"/>
+                        <a:ea typeface="Times New Roman" panose="02020603050405020304" pitchFamily="18" charset="0"/>
+                      </a:endParaRPr>
+                    </a:p>
+                  </a:txBody>
+                  <a:tcPr marL="48209" marR="48209" marT="0" marB="0"/>
+                </a:tc>
+                <a:tc>
+                  <a:txBody>
+                    <a:bodyPr/>
+                    <a:lstStyle/>
+                    <a:p>
+                      <a:pPr algn="ctr"/>
+                      <a:r>
+                        <a:rPr lang="en-US" sz="1000">
+                          <a:effectLst/>
+                        </a:rPr>
+                        <a:t>Ngày bắt đầu</a:t>
+                      </a:r>
+                      <a:endParaRPr lang="en-US" sz="800">
+                        <a:effectLst/>
+                        <a:latin typeface="Times New Roman" panose="02020603050405020304" pitchFamily="18" charset="0"/>
+                        <a:ea typeface="Times New Roman" panose="02020603050405020304" pitchFamily="18" charset="0"/>
+                      </a:endParaRPr>
+                    </a:p>
+                  </a:txBody>
+                  <a:tcPr marL="48209" marR="48209" marT="0" marB="0"/>
+                </a:tc>
+                <a:tc>
+                  <a:txBody>
+                    <a:bodyPr/>
+                    <a:lstStyle/>
+                    <a:p>
+                      <a:pPr algn="ctr"/>
+                      <a:r>
+                        <a:rPr lang="en-US" sz="1000">
+                          <a:effectLst/>
+                        </a:rPr>
+                        <a:t>Ngày kết thúc</a:t>
+                      </a:r>
+                      <a:endParaRPr lang="en-US" sz="800">
+                        <a:effectLst/>
+                        <a:latin typeface="Times New Roman" panose="02020603050405020304" pitchFamily="18" charset="0"/>
+                        <a:ea typeface="Times New Roman" panose="02020603050405020304" pitchFamily="18" charset="0"/>
+                      </a:endParaRPr>
+                    </a:p>
+                  </a:txBody>
+                  <a:tcPr marL="48209" marR="48209" marT="0" marB="0"/>
+                </a:tc>
+                <a:tc>
+                  <a:txBody>
+                    <a:bodyPr/>
+                    <a:lstStyle/>
+                    <a:p>
+                      <a:pPr algn="ctr"/>
+                      <a:r>
+                        <a:rPr lang="en-US" sz="1000">
+                          <a:effectLst/>
+                        </a:rPr>
+                        <a:t>Ghi chú</a:t>
+                      </a:r>
+                      <a:endParaRPr lang="en-US" sz="800">
+                        <a:effectLst/>
+                        <a:latin typeface="Times New Roman" panose="02020603050405020304" pitchFamily="18" charset="0"/>
+                        <a:ea typeface="Times New Roman" panose="02020603050405020304" pitchFamily="18" charset="0"/>
+                      </a:endParaRPr>
+                    </a:p>
+                  </a:txBody>
+                  <a:tcPr marL="48209" marR="48209" marT="0" marB="0"/>
+                </a:tc>
+                <a:extLst>
+                  <a:ext uri="{0D108BD9-81ED-4DB2-BD59-A6C34878D82A}">
+                    <a16:rowId xmlns:a16="http://schemas.microsoft.com/office/drawing/2014/main" val="591804338"/>
+                  </a:ext>
+                </a:extLst>
+              </a:tr>
+              <a:tr h="595638">
                 <a:tc>
                   <a:txBody>
                     <a:bodyPr/>
                     <a:lstStyle/>
                     <a:p>
                       <a:r>
-                        <a:rPr lang="vi-VN" sz="1300">
+                        <a:rPr lang="en-US" sz="1000">
                           <a:effectLst/>
                         </a:rPr>
-                        <a:t>Stt </a:t>
+                        <a:t>1</a:t>
                       </a:r>
-                      <a:endParaRPr lang="en-VN" sz="1200">
+                      <a:endParaRPr lang="en-US" sz="800">
                         <a:effectLst/>
-                        <a:latin typeface="Calibri" panose="020F0502020204030204" pitchFamily="34" charset="0"/>
-                        <a:ea typeface="Calibri" panose="020F0502020204030204" pitchFamily="34" charset="0"/>
-                        <a:cs typeface="Times New Roman" panose="02020603050405020304" pitchFamily="18" charset="0"/>
+                        <a:latin typeface="Times New Roman" panose="02020603050405020304" pitchFamily="18" charset="0"/>
+                        <a:ea typeface="Times New Roman" panose="02020603050405020304" pitchFamily="18" charset="0"/>
                       </a:endParaRPr>
                     </a:p>
                   </a:txBody>
-                  <a:tcPr marL="68580" marR="68580" marT="0" marB="0"/>
+                  <a:tcPr marL="48209" marR="48209" marT="0" marB="0"/>
                 </a:tc>
                 <a:tc>
                   <a:txBody>
@@ -4666,20 +4807,19 @@
                     <a:lstStyle/>
                     <a:p>
                       <a:r>
-                        <a:rPr lang="vi-VN" sz="1300">
+                        <a:rPr lang="en-US" sz="1000">
                           <a:effectLst/>
                         </a:rPr>
-                        <a:t>Họ và tên</a:t>
+                        <a:t> LÊ THANH HIỆP</a:t>
                       </a:r>
-                      <a:endParaRPr lang="en-VN" sz="1200">
+                      <a:endParaRPr lang="en-US" sz="800">
                         <a:effectLst/>
-                        <a:latin typeface="Calibri" panose="020F0502020204030204" pitchFamily="34" charset="0"/>
-                        <a:ea typeface="Calibri" panose="020F0502020204030204" pitchFamily="34" charset="0"/>
-                        <a:cs typeface="Times New Roman" panose="02020603050405020304" pitchFamily="18" charset="0"/>
+                        <a:latin typeface="Times New Roman" panose="02020603050405020304" pitchFamily="18" charset="0"/>
+                        <a:ea typeface="Times New Roman" panose="02020603050405020304" pitchFamily="18" charset="0"/>
                       </a:endParaRPr>
                     </a:p>
                   </a:txBody>
-                  <a:tcPr marL="68580" marR="68580" marT="0" marB="0"/>
+                  <a:tcPr marL="48209" marR="48209" marT="0" marB="0"/>
                 </a:tc>
                 <a:tc>
                   <a:txBody>
@@ -4687,20 +4827,40 @@
                     <a:lstStyle/>
                     <a:p>
                       <a:r>
-                        <a:rPr lang="vi-VN" sz="1300">
+                        <a:rPr lang="en-US" sz="1000">
                           <a:effectLst/>
                         </a:rPr>
-                        <a:t>Nội dung công việc</a:t>
+                        <a:t> Khảo sát hiện trạng</a:t>
                       </a:r>
-                      <a:endParaRPr lang="en-VN" sz="1200">
+                      <a:endParaRPr lang="en-US" sz="800">
                         <a:effectLst/>
-                        <a:latin typeface="Calibri" panose="020F0502020204030204" pitchFamily="34" charset="0"/>
-                        <a:ea typeface="Calibri" panose="020F0502020204030204" pitchFamily="34" charset="0"/>
-                        <a:cs typeface="Times New Roman" panose="02020603050405020304" pitchFamily="18" charset="0"/>
+                        <a:latin typeface="Times New Roman" panose="02020603050405020304" pitchFamily="18" charset="0"/>
+                        <a:ea typeface="Times New Roman" panose="02020603050405020304" pitchFamily="18" charset="0"/>
                       </a:endParaRPr>
                     </a:p>
                   </a:txBody>
-                  <a:tcPr marL="68580" marR="68580" marT="0" marB="0"/>
+                  <a:tcPr marL="48209" marR="48209" marT="0" marB="0"/>
+                </a:tc>
+                <a:tc>
+                  <a:txBody>
+                    <a:bodyPr/>
+                    <a:lstStyle/>
+                    <a:p>
+                      <a:pPr algn="ctr"/>
+                      <a:r>
+                        <a:rPr lang="en-US" sz="1000">
+                          <a:effectLst/>
+                        </a:rPr>
+                        <a:t>9/9/2020 </a:t>
+                      </a:r>
+                      <a:endParaRPr lang="en-US" sz="800">
+                        <a:effectLst/>
+                        <a:latin typeface="Times New Roman" panose="02020603050405020304" pitchFamily="18" charset="0"/>
+                        <a:ea typeface="Times New Roman" panose="02020603050405020304" pitchFamily="18" charset="0"/>
+                      </a:endParaRPr>
+                    </a:p>
+                  </a:txBody>
+                  <a:tcPr marL="48209" marR="48209" marT="0" marB="0"/>
                 </a:tc>
                 <a:tc>
                   <a:txBody>
@@ -4708,20 +4868,81 @@
                     <a:lstStyle/>
                     <a:p>
                       <a:r>
-                        <a:rPr lang="vi-VN" sz="1300">
+                        <a:rPr lang="en-US" sz="1000">
                           <a:effectLst/>
                         </a:rPr>
-                        <a:t>Ngày bắt đầu</a:t>
+                        <a:t> 9/9/2020</a:t>
                       </a:r>
-                      <a:endParaRPr lang="en-VN" sz="1200">
+                      <a:endParaRPr lang="en-US" sz="800">
                         <a:effectLst/>
-                        <a:latin typeface="Calibri" panose="020F0502020204030204" pitchFamily="34" charset="0"/>
-                        <a:ea typeface="Calibri" panose="020F0502020204030204" pitchFamily="34" charset="0"/>
-                        <a:cs typeface="Times New Roman" panose="02020603050405020304" pitchFamily="18" charset="0"/>
+                        <a:latin typeface="Times New Roman" panose="02020603050405020304" pitchFamily="18" charset="0"/>
+                        <a:ea typeface="Times New Roman" panose="02020603050405020304" pitchFamily="18" charset="0"/>
                       </a:endParaRPr>
                     </a:p>
                   </a:txBody>
-                  <a:tcPr marL="68580" marR="68580" marT="0" marB="0"/>
+                  <a:tcPr marL="48209" marR="48209" marT="0" marB="0"/>
+                </a:tc>
+                <a:tc rowSpan="3">
+                  <a:txBody>
+                    <a:bodyPr/>
+                    <a:lstStyle/>
+                    <a:p>
+                      <a:r>
+                        <a:rPr lang="en-US" sz="1400">
+                          <a:effectLst/>
+                        </a:rPr>
+                        <a:t> Chi tiết trong biên bản họp nhóm lần 1</a:t>
+                      </a:r>
+                    </a:p>
+                    <a:p>
+                      <a:r>
+                        <a:rPr lang="en-US" sz="1000">
+                          <a:effectLst/>
+                        </a:rPr>
+                        <a:t> </a:t>
+                      </a:r>
+                    </a:p>
+                    <a:p>
+                      <a:r>
+                        <a:rPr lang="en-US" sz="1000">
+                          <a:effectLst/>
+                        </a:rPr>
+                        <a:t> </a:t>
+                      </a:r>
+                      <a:endParaRPr lang="en-US" sz="800">
+                        <a:effectLst/>
+                        <a:latin typeface="Times New Roman" panose="02020603050405020304" pitchFamily="18" charset="0"/>
+                      </a:endParaRPr>
+                    </a:p>
+                  </a:txBody>
+                  <a:tcPr marL="48209" marR="48209" marT="0" marB="0"/>
+                </a:tc>
+                <a:extLst>
+                  <a:ext uri="{0D108BD9-81ED-4DB2-BD59-A6C34878D82A}">
+                    <a16:rowId xmlns:a16="http://schemas.microsoft.com/office/drawing/2014/main" val="1423991233"/>
+                  </a:ext>
+                </a:extLst>
+              </a:tr>
+              <a:tr h="217299">
+                <a:tc>
+                  <a:txBody>
+                    <a:bodyPr/>
+                    <a:lstStyle/>
+                    <a:p>
+                      <a:r>
+                        <a:rPr lang="en-US" sz="1000">
+                          <a:effectLst/>
+                        </a:rPr>
+                        <a:t> </a:t>
+                      </a:r>
+                      <a:endParaRPr lang="en-US" sz="800">
+                        <a:effectLst/>
+                        <a:latin typeface="Times New Roman" panose="02020603050405020304" pitchFamily="18" charset="0"/>
+                        <a:ea typeface="Times New Roman" panose="02020603050405020304" pitchFamily="18" charset="0"/>
+                      </a:endParaRPr>
+                    </a:p>
+                  </a:txBody>
+                  <a:tcPr marL="48209" marR="48209" marT="0" marB="0"/>
                 </a:tc>
                 <a:tc>
                   <a:txBody>
@@ -4729,20 +4950,19 @@
                     <a:lstStyle/>
                     <a:p>
                       <a:r>
-                        <a:rPr lang="vi-VN" sz="1300">
+                        <a:rPr lang="en-US" sz="1000">
                           <a:effectLst/>
                         </a:rPr>
-                        <a:t>Ngày kết thúc</a:t>
+                        <a:t> LÊ THANH HIỆP</a:t>
                       </a:r>
-                      <a:endParaRPr lang="en-VN" sz="1200">
+                      <a:endParaRPr lang="en-US" sz="800">
                         <a:effectLst/>
-                        <a:latin typeface="Calibri" panose="020F0502020204030204" pitchFamily="34" charset="0"/>
-                        <a:ea typeface="Calibri" panose="020F0502020204030204" pitchFamily="34" charset="0"/>
-                        <a:cs typeface="Times New Roman" panose="02020603050405020304" pitchFamily="18" charset="0"/>
+                        <a:latin typeface="Times New Roman" panose="02020603050405020304" pitchFamily="18" charset="0"/>
+                        <a:ea typeface="Times New Roman" panose="02020603050405020304" pitchFamily="18" charset="0"/>
                       </a:endParaRPr>
                     </a:p>
                   </a:txBody>
-                  <a:tcPr marL="68580" marR="68580" marT="0" marB="0"/>
+                  <a:tcPr marL="48209" marR="48209" marT="0" marB="0"/>
                 </a:tc>
                 <a:tc>
                   <a:txBody>
@@ -4750,48 +4970,40 @@
                     <a:lstStyle/>
                     <a:p>
                       <a:r>
-                        <a:rPr lang="vi-VN" sz="1300">
+                        <a:rPr lang="en-US" sz="1000">
                           <a:effectLst/>
                         </a:rPr>
-                        <a:t> Ghi chú</a:t>
+                        <a:t> Phân tích dự án</a:t>
                       </a:r>
-                      <a:endParaRPr lang="en-VN" sz="1200">
+                      <a:endParaRPr lang="en-US" sz="800">
                         <a:effectLst/>
-                        <a:latin typeface="Calibri" panose="020F0502020204030204" pitchFamily="34" charset="0"/>
-                        <a:ea typeface="Calibri" panose="020F0502020204030204" pitchFamily="34" charset="0"/>
-                        <a:cs typeface="Times New Roman" panose="02020603050405020304" pitchFamily="18" charset="0"/>
+                        <a:latin typeface="Times New Roman" panose="02020603050405020304" pitchFamily="18" charset="0"/>
+                        <a:ea typeface="Times New Roman" panose="02020603050405020304" pitchFamily="18" charset="0"/>
                       </a:endParaRPr>
                     </a:p>
                   </a:txBody>
-                  <a:tcPr marL="68580" marR="68580" marT="0" marB="0"/>
+                  <a:tcPr marL="48209" marR="48209" marT="0" marB="0"/>
                 </a:tc>
-                <a:extLst>
-                  <a:ext uri="{0D108BD9-81ED-4DB2-BD59-A6C34878D82A}">
-                    <a16:rowId xmlns:a16="http://schemas.microsoft.com/office/drawing/2014/main" val="2468204606"/>
-                  </a:ext>
-                </a:extLst>
-              </a:tr>
-              <a:tr h="0">
                 <a:tc>
                   <a:txBody>
                     <a:bodyPr/>
                     <a:lstStyle/>
                     <a:p>
+                      <a:pPr algn="ctr"/>
                       <a:r>
-                        <a:rPr lang="vi-VN" sz="1300">
+                        <a:rPr lang="en-US" sz="1000">
                           <a:effectLst/>
                         </a:rPr>
-                        <a:t>1</a:t>
+                        <a:t>9/9/2020 </a:t>
                       </a:r>
-                      <a:endParaRPr lang="en-VN" sz="1200">
+                      <a:endParaRPr lang="en-US" sz="800">
                         <a:effectLst/>
-                        <a:latin typeface="Calibri" panose="020F0502020204030204" pitchFamily="34" charset="0"/>
-                        <a:ea typeface="Calibri" panose="020F0502020204030204" pitchFamily="34" charset="0"/>
-                        <a:cs typeface="Times New Roman" panose="02020603050405020304" pitchFamily="18" charset="0"/>
+                        <a:latin typeface="Times New Roman" panose="02020603050405020304" pitchFamily="18" charset="0"/>
+                        <a:ea typeface="Times New Roman" panose="02020603050405020304" pitchFamily="18" charset="0"/>
                       </a:endParaRPr>
                     </a:p>
                   </a:txBody>
-                  <a:tcPr marL="68580" marR="68580" marT="0" marB="0"/>
+                  <a:tcPr marL="48209" marR="48209" marT="0" marB="0"/>
                 </a:tc>
                 <a:tc>
                   <a:txBody>
@@ -4799,20 +5011,66 @@
                     <a:lstStyle/>
                     <a:p>
                       <a:r>
-                        <a:rPr lang="vi-VN" sz="1300">
+                        <a:rPr lang="en-US" sz="1000">
                           <a:effectLst/>
                         </a:rPr>
-                        <a:t>Lê Thanh Hiệp </a:t>
+                        <a:t> 9/9/2020</a:t>
                       </a:r>
-                      <a:endParaRPr lang="en-VN" sz="1200">
+                      <a:endParaRPr lang="en-US" sz="800">
                         <a:effectLst/>
-                        <a:latin typeface="Calibri" panose="020F0502020204030204" pitchFamily="34" charset="0"/>
-                        <a:ea typeface="Calibri" panose="020F0502020204030204" pitchFamily="34" charset="0"/>
-                        <a:cs typeface="Times New Roman" panose="02020603050405020304" pitchFamily="18" charset="0"/>
+                        <a:latin typeface="Times New Roman" panose="02020603050405020304" pitchFamily="18" charset="0"/>
+                        <a:ea typeface="Times New Roman" panose="02020603050405020304" pitchFamily="18" charset="0"/>
                       </a:endParaRPr>
                     </a:p>
                   </a:txBody>
-                  <a:tcPr marL="68580" marR="68580" marT="0" marB="0"/>
+                  <a:tcPr marL="48209" marR="48209" marT="0" marB="0"/>
+                </a:tc>
+                <a:tc vMerge="1">
+                  <a:txBody>
+                    <a:bodyPr/>
+                    <a:lstStyle/>
+                    <a:p>
+                      <a:r>
+                        <a:rPr lang="en-US" sz="1000">
+                          <a:effectLst/>
+                        </a:rPr>
+                        <a:t> </a:t>
+                      </a:r>
+                      <a:endParaRPr lang="en-US" sz="800">
+                        <a:effectLst/>
+                        <a:latin typeface="Times New Roman" panose="02020603050405020304" pitchFamily="18" charset="0"/>
+                        <a:ea typeface="Times New Roman" panose="02020603050405020304" pitchFamily="18" charset="0"/>
+                      </a:endParaRPr>
+                    </a:p>
+                  </a:txBody>
+                  <a:tcPr marL="48209" marR="48209" marT="0" marB="0"/>
+                </a:tc>
+                <a:extLst>
+                  <a:ext uri="{0D108BD9-81ED-4DB2-BD59-A6C34878D82A}">
+                    <a16:rowId xmlns:a16="http://schemas.microsoft.com/office/drawing/2014/main" val="3498933013"/>
+                  </a:ext>
+                </a:extLst>
+              </a:tr>
+              <a:tr h="404116">
+                <a:tc>
+                  <a:txBody>
+                    <a:bodyPr/>
+                    <a:lstStyle/>
+                    <a:p>
+                      <a:r>
+                        <a:rPr lang="en-US" sz="1000">
+                          <a:effectLst/>
+                        </a:rPr>
+                        <a:t> </a:t>
+                      </a:r>
+                      <a:endParaRPr lang="en-US" sz="800">
+                        <a:effectLst/>
+                        <a:latin typeface="Times New Roman" panose="02020603050405020304" pitchFamily="18" charset="0"/>
+                        <a:ea typeface="Times New Roman" panose="02020603050405020304" pitchFamily="18" charset="0"/>
+                      </a:endParaRPr>
+                    </a:p>
+                  </a:txBody>
+                  <a:tcPr marL="48209" marR="48209" marT="0" marB="0"/>
                 </a:tc>
                 <a:tc>
                   <a:txBody>
@@ -4820,20 +5078,19 @@
                     <a:lstStyle/>
                     <a:p>
                       <a:r>
-                        <a:rPr lang="vi-VN" sz="1300">
+                        <a:rPr lang="en-US" sz="1000">
                           <a:effectLst/>
                         </a:rPr>
-                        <a:t>Database,seminar, code website</a:t>
+                        <a:t> LÊ THANH HIỆP,PHẠM THỊ NGỌC HÂN</a:t>
                       </a:r>
-                      <a:endParaRPr lang="en-VN" sz="1200">
+                      <a:endParaRPr lang="en-US" sz="800">
                         <a:effectLst/>
-                        <a:latin typeface="Calibri" panose="020F0502020204030204" pitchFamily="34" charset="0"/>
-                        <a:ea typeface="Calibri" panose="020F0502020204030204" pitchFamily="34" charset="0"/>
-                        <a:cs typeface="Times New Roman" panose="02020603050405020304" pitchFamily="18" charset="0"/>
+                        <a:latin typeface="Times New Roman" panose="02020603050405020304" pitchFamily="18" charset="0"/>
+                        <a:ea typeface="Times New Roman" panose="02020603050405020304" pitchFamily="18" charset="0"/>
                       </a:endParaRPr>
                     </a:p>
                   </a:txBody>
-                  <a:tcPr marL="68580" marR="68580" marT="0" marB="0"/>
+                  <a:tcPr marL="48209" marR="48209" marT="0" marB="0"/>
                 </a:tc>
                 <a:tc>
                   <a:txBody>
@@ -4841,20 +5098,40 @@
                     <a:lstStyle/>
                     <a:p>
                       <a:r>
-                        <a:rPr lang="vi-VN" sz="1300">
+                        <a:rPr lang="en-US" sz="1000">
                           <a:effectLst/>
                         </a:rPr>
-                        <a:t>1-9</a:t>
+                        <a:t> Phát thảo mô hình cơ sở dữ liệu</a:t>
                       </a:r>
-                      <a:endParaRPr lang="en-VN" sz="1200">
+                      <a:endParaRPr lang="en-US" sz="800">
                         <a:effectLst/>
-                        <a:latin typeface="Calibri" panose="020F0502020204030204" pitchFamily="34" charset="0"/>
-                        <a:ea typeface="Calibri" panose="020F0502020204030204" pitchFamily="34" charset="0"/>
-                        <a:cs typeface="Times New Roman" panose="02020603050405020304" pitchFamily="18" charset="0"/>
+                        <a:latin typeface="Times New Roman" panose="02020603050405020304" pitchFamily="18" charset="0"/>
+                        <a:ea typeface="Times New Roman" panose="02020603050405020304" pitchFamily="18" charset="0"/>
                       </a:endParaRPr>
                     </a:p>
                   </a:txBody>
-                  <a:tcPr marL="68580" marR="68580" marT="0" marB="0"/>
+                  <a:tcPr marL="48209" marR="48209" marT="0" marB="0"/>
+                </a:tc>
+                <a:tc>
+                  <a:txBody>
+                    <a:bodyPr/>
+                    <a:lstStyle/>
+                    <a:p>
+                      <a:pPr algn="ctr"/>
+                      <a:r>
+                        <a:rPr lang="en-US" sz="1000">
+                          <a:effectLst/>
+                        </a:rPr>
+                        <a:t> 9/9/2020</a:t>
+                      </a:r>
+                      <a:endParaRPr lang="en-US" sz="800">
+                        <a:effectLst/>
+                        <a:latin typeface="Times New Roman" panose="02020603050405020304" pitchFamily="18" charset="0"/>
+                        <a:ea typeface="Times New Roman" panose="02020603050405020304" pitchFamily="18" charset="0"/>
+                      </a:endParaRPr>
+                    </a:p>
+                  </a:txBody>
+                  <a:tcPr marL="48209" marR="48209" marT="0" marB="0"/>
                 </a:tc>
                 <a:tc>
                   <a:txBody>
@@ -4862,20 +5139,66 @@
                     <a:lstStyle/>
                     <a:p>
                       <a:r>
-                        <a:rPr lang="vi-VN" sz="1300">
+                        <a:rPr lang="en-US" sz="1000">
                           <a:effectLst/>
                         </a:rPr>
-                        <a:t>1/12</a:t>
+                        <a:t> 14/9/2020</a:t>
                       </a:r>
-                      <a:endParaRPr lang="en-VN" sz="1200">
+                      <a:endParaRPr lang="en-US" sz="800">
                         <a:effectLst/>
-                        <a:latin typeface="Calibri" panose="020F0502020204030204" pitchFamily="34" charset="0"/>
-                        <a:ea typeface="Calibri" panose="020F0502020204030204" pitchFamily="34" charset="0"/>
-                        <a:cs typeface="Times New Roman" panose="02020603050405020304" pitchFamily="18" charset="0"/>
+                        <a:latin typeface="Times New Roman" panose="02020603050405020304" pitchFamily="18" charset="0"/>
+                        <a:ea typeface="Times New Roman" panose="02020603050405020304" pitchFamily="18" charset="0"/>
                       </a:endParaRPr>
                     </a:p>
                   </a:txBody>
-                  <a:tcPr marL="68580" marR="68580" marT="0" marB="0"/>
+                  <a:tcPr marL="48209" marR="48209" marT="0" marB="0"/>
+                </a:tc>
+                <a:tc vMerge="1">
+                  <a:txBody>
+                    <a:bodyPr/>
+                    <a:lstStyle/>
+                    <a:p>
+                      <a:r>
+                        <a:rPr lang="en-US" sz="1000">
+                          <a:effectLst/>
+                        </a:rPr>
+                        <a:t> </a:t>
+                      </a:r>
+                      <a:endParaRPr lang="en-US" sz="800">
+                        <a:effectLst/>
+                        <a:latin typeface="Times New Roman" panose="02020603050405020304" pitchFamily="18" charset="0"/>
+                        <a:ea typeface="Times New Roman" panose="02020603050405020304" pitchFamily="18" charset="0"/>
+                      </a:endParaRPr>
+                    </a:p>
+                  </a:txBody>
+                  <a:tcPr marL="48209" marR="48209" marT="0" marB="0"/>
+                </a:tc>
+                <a:extLst>
+                  <a:ext uri="{0D108BD9-81ED-4DB2-BD59-A6C34878D82A}">
+                    <a16:rowId xmlns:a16="http://schemas.microsoft.com/office/drawing/2014/main" val="1466024891"/>
+                  </a:ext>
+                </a:extLst>
+              </a:tr>
+              <a:tr h="332761">
+                <a:tc>
+                  <a:txBody>
+                    <a:bodyPr/>
+                    <a:lstStyle/>
+                    <a:p>
+                      <a:r>
+                        <a:rPr lang="en-US" sz="1000">
+                          <a:effectLst/>
+                        </a:rPr>
+                        <a:t> </a:t>
+                      </a:r>
+                      <a:endParaRPr lang="en-US" sz="800">
+                        <a:effectLst/>
+                        <a:latin typeface="Times New Roman" panose="02020603050405020304" pitchFamily="18" charset="0"/>
+                        <a:ea typeface="Times New Roman" panose="02020603050405020304" pitchFamily="18" charset="0"/>
+                      </a:endParaRPr>
+                    </a:p>
+                  </a:txBody>
+                  <a:tcPr marL="48209" marR="48209" marT="0" marB="0"/>
                 </a:tc>
                 <a:tc>
                   <a:txBody>
@@ -4883,48 +5206,25 @@
                     <a:lstStyle/>
                     <a:p>
                       <a:r>
-                        <a:rPr lang="en-VN" sz="1300">
+                        <a:rPr lang="en-US" sz="1000">
                           <a:effectLst/>
                         </a:rPr>
                         <a:t> </a:t>
                       </a:r>
-                      <a:endParaRPr lang="en-VN" sz="1200">
+                      <a:r>
+                        <a:rPr lang="en-US" sz="800">
+                          <a:effectLst/>
+                        </a:rPr>
+                        <a:t>LÊ THANH HIỆP</a:t>
+                      </a:r>
+                      <a:endParaRPr lang="en-US" sz="800">
                         <a:effectLst/>
-                        <a:latin typeface="Calibri" panose="020F0502020204030204" pitchFamily="34" charset="0"/>
-                        <a:ea typeface="Calibri" panose="020F0502020204030204" pitchFamily="34" charset="0"/>
-                        <a:cs typeface="Times New Roman" panose="02020603050405020304" pitchFamily="18" charset="0"/>
+                        <a:latin typeface="Times New Roman" panose="02020603050405020304" pitchFamily="18" charset="0"/>
+                        <a:ea typeface="Times New Roman" panose="02020603050405020304" pitchFamily="18" charset="0"/>
                       </a:endParaRPr>
                     </a:p>
                   </a:txBody>
-                  <a:tcPr marL="68580" marR="68580" marT="0" marB="0"/>
-                </a:tc>
-                <a:extLst>
-                  <a:ext uri="{0D108BD9-81ED-4DB2-BD59-A6C34878D82A}">
-                    <a16:rowId xmlns:a16="http://schemas.microsoft.com/office/drawing/2014/main" val="895734047"/>
-                  </a:ext>
-                </a:extLst>
-              </a:tr>
-              <a:tr h="0">
-                <a:tc>
-                  <a:txBody>
-                    <a:bodyPr/>
-                    <a:lstStyle/>
-                    <a:p>
-                      <a:r>
-                        <a:rPr lang="vi-VN" sz="1300">
-                          <a:effectLst/>
-                        </a:rPr>
-                        <a:t>2 </a:t>
-                      </a:r>
-                      <a:endParaRPr lang="en-VN" sz="1200">
-                        <a:effectLst/>
-                        <a:latin typeface="Calibri" panose="020F0502020204030204" pitchFamily="34" charset="0"/>
-                        <a:ea typeface="Calibri" panose="020F0502020204030204" pitchFamily="34" charset="0"/>
-                        <a:cs typeface="Times New Roman" panose="02020603050405020304" pitchFamily="18" charset="0"/>
-                      </a:endParaRPr>
-                    </a:p>
-                  </a:txBody>
-                  <a:tcPr marL="68580" marR="68580" marT="0" marB="0"/>
+                  <a:tcPr marL="48209" marR="48209" marT="0" marB="0"/>
                 </a:tc>
                 <a:tc>
                   <a:txBody>
@@ -4932,20 +5232,40 @@
                     <a:lstStyle/>
                     <a:p>
                       <a:r>
-                        <a:rPr lang="vi-VN" sz="1300">
+                        <a:rPr lang="en-US" sz="1000">
                           <a:effectLst/>
                         </a:rPr>
-                        <a:t>Phạm Thị Ngọc Hân</a:t>
+                        <a:t> Thiết kế CSDL lần 1</a:t>
                       </a:r>
-                      <a:endParaRPr lang="en-VN" sz="1200">
+                      <a:endParaRPr lang="en-US" sz="800">
                         <a:effectLst/>
-                        <a:latin typeface="Calibri" panose="020F0502020204030204" pitchFamily="34" charset="0"/>
-                        <a:ea typeface="Calibri" panose="020F0502020204030204" pitchFamily="34" charset="0"/>
-                        <a:cs typeface="Times New Roman" panose="02020603050405020304" pitchFamily="18" charset="0"/>
+                        <a:latin typeface="Times New Roman" panose="02020603050405020304" pitchFamily="18" charset="0"/>
+                        <a:ea typeface="Times New Roman" panose="02020603050405020304" pitchFamily="18" charset="0"/>
                       </a:endParaRPr>
                     </a:p>
                   </a:txBody>
-                  <a:tcPr marL="68580" marR="68580" marT="0" marB="0"/>
+                  <a:tcPr marL="48209" marR="48209" marT="0" marB="0"/>
+                </a:tc>
+                <a:tc>
+                  <a:txBody>
+                    <a:bodyPr/>
+                    <a:lstStyle/>
+                    <a:p>
+                      <a:pPr algn="ctr"/>
+                      <a:r>
+                        <a:rPr lang="en-US" sz="1000">
+                          <a:effectLst/>
+                        </a:rPr>
+                        <a:t>15/9/2020 </a:t>
+                      </a:r>
+                      <a:endParaRPr lang="en-US" sz="800">
+                        <a:effectLst/>
+                        <a:latin typeface="Times New Roman" panose="02020603050405020304" pitchFamily="18" charset="0"/>
+                        <a:ea typeface="Times New Roman" panose="02020603050405020304" pitchFamily="18" charset="0"/>
+                      </a:endParaRPr>
+                    </a:p>
+                  </a:txBody>
+                  <a:tcPr marL="48209" marR="48209" marT="0" marB="0"/>
                 </a:tc>
                 <a:tc>
                   <a:txBody>
@@ -4953,20 +5273,19 @@
                     <a:lstStyle/>
                     <a:p>
                       <a:r>
-                        <a:rPr lang="vi-VN" sz="1300">
+                        <a:rPr lang="en-US" sz="1000">
                           <a:effectLst/>
                         </a:rPr>
-                        <a:t>Database ,báo cáo giữa giai đoạn, thiết kế use case, làm báo cáo</a:t>
+                        <a:t> 10/10/2020</a:t>
                       </a:r>
-                      <a:endParaRPr lang="en-VN" sz="1200">
+                      <a:endParaRPr lang="en-US" sz="800">
                         <a:effectLst/>
-                        <a:latin typeface="Calibri" panose="020F0502020204030204" pitchFamily="34" charset="0"/>
-                        <a:ea typeface="Calibri" panose="020F0502020204030204" pitchFamily="34" charset="0"/>
-                        <a:cs typeface="Times New Roman" panose="02020603050405020304" pitchFamily="18" charset="0"/>
+                        <a:latin typeface="Times New Roman" panose="02020603050405020304" pitchFamily="18" charset="0"/>
+                        <a:ea typeface="Times New Roman" panose="02020603050405020304" pitchFamily="18" charset="0"/>
                       </a:endParaRPr>
                     </a:p>
                   </a:txBody>
-                  <a:tcPr marL="68580" marR="68580" marT="0" marB="0"/>
+                  <a:tcPr marL="48209" marR="48209" marT="0" marB="0"/>
                 </a:tc>
                 <a:tc>
                   <a:txBody>
@@ -4974,20 +5293,74 @@
                     <a:lstStyle/>
                     <a:p>
                       <a:r>
-                        <a:rPr lang="vi-VN" sz="1300">
+                        <a:rPr lang="en-US" sz="1000">
                           <a:effectLst/>
                         </a:rPr>
-                        <a:t>1-9</a:t>
+                        <a:t> </a:t>
                       </a:r>
-                      <a:endParaRPr lang="en-VN" sz="1200">
+                      <a:r>
+                        <a:rPr lang="en-US" sz="800">
+                          <a:effectLst/>
+                        </a:rPr>
+                        <a:t> Chi tiết trong biên bản họp nhóm lần 2</a:t>
+                      </a:r>
+                    </a:p>
+                    <a:p>
+                      <a:r>
+                        <a:rPr lang="en-US" sz="800">
+                          <a:effectLst/>
+                        </a:rPr>
+                        <a:t> </a:t>
+                      </a:r>
+                    </a:p>
+                    <a:p>
+                      <a:r>
+                        <a:rPr lang="en-US" sz="800">
+                          <a:effectLst/>
+                        </a:rPr>
+                        <a:t> </a:t>
+                      </a:r>
+                      <a:endParaRPr lang="en-US" sz="200">
                         <a:effectLst/>
-                        <a:latin typeface="Calibri" panose="020F0502020204030204" pitchFamily="34" charset="0"/>
-                        <a:ea typeface="Calibri" panose="020F0502020204030204" pitchFamily="34" charset="0"/>
-                        <a:cs typeface="Times New Roman" panose="02020603050405020304" pitchFamily="18" charset="0"/>
+                        <a:latin typeface="Times New Roman" panose="02020603050405020304" pitchFamily="18" charset="0"/>
+                      </a:endParaRPr>
+                    </a:p>
+                    <a:p>
+                      <a:endParaRPr lang="en-US" sz="800">
+                        <a:effectLst/>
+                        <a:latin typeface="Times New Roman" panose="02020603050405020304" pitchFamily="18" charset="0"/>
+                        <a:ea typeface="Times New Roman" panose="02020603050405020304" pitchFamily="18" charset="0"/>
                       </a:endParaRPr>
                     </a:p>
                   </a:txBody>
-                  <a:tcPr marL="68580" marR="68580" marT="0" marB="0"/>
+                  <a:tcPr marL="48209" marR="48209" marT="0" marB="0"/>
+                </a:tc>
+                <a:extLst>
+                  <a:ext uri="{0D108BD9-81ED-4DB2-BD59-A6C34878D82A}">
+                    <a16:rowId xmlns:a16="http://schemas.microsoft.com/office/drawing/2014/main" val="3580104563"/>
+                  </a:ext>
+                </a:extLst>
+              </a:tr>
+              <a:tr h="262738">
+                <a:tc>
+                  <a:txBody>
+                    <a:bodyPr/>
+                    <a:lstStyle/>
+                    <a:p>
+                      <a:r>
+                        <a:rPr lang="en-US" sz="1000">
+                          <a:effectLst/>
+                        </a:rPr>
+                        <a:t> </a:t>
+                      </a:r>
+                      <a:endParaRPr lang="en-US" sz="800">
+                        <a:effectLst/>
+                        <a:latin typeface="Times New Roman" panose="02020603050405020304" pitchFamily="18" charset="0"/>
+                        <a:ea typeface="Times New Roman" panose="02020603050405020304" pitchFamily="18" charset="0"/>
+                      </a:endParaRPr>
+                    </a:p>
+                  </a:txBody>
+                  <a:tcPr marL="48209" marR="48209" marT="0" marB="0"/>
                 </a:tc>
                 <a:tc>
                   <a:txBody>
@@ -4995,20 +5368,25 @@
                     <a:lstStyle/>
                     <a:p>
                       <a:r>
-                        <a:rPr lang="vi-VN" sz="1300">
+                        <a:rPr lang="en-US" sz="1000">
                           <a:effectLst/>
                         </a:rPr>
-                        <a:t>1/12</a:t>
+                        <a:t> </a:t>
                       </a:r>
-                      <a:endParaRPr lang="en-VN" sz="1200">
+                      <a:r>
+                        <a:rPr lang="en-US" sz="800">
+                          <a:effectLst/>
+                        </a:rPr>
+                        <a:t>LÊ THANH HIỆP</a:t>
+                      </a:r>
+                      <a:endParaRPr lang="en-US" sz="800">
                         <a:effectLst/>
-                        <a:latin typeface="Calibri" panose="020F0502020204030204" pitchFamily="34" charset="0"/>
-                        <a:ea typeface="Calibri" panose="020F0502020204030204" pitchFamily="34" charset="0"/>
-                        <a:cs typeface="Times New Roman" panose="02020603050405020304" pitchFamily="18" charset="0"/>
+                        <a:latin typeface="Times New Roman" panose="02020603050405020304" pitchFamily="18" charset="0"/>
+                        <a:ea typeface="Times New Roman" panose="02020603050405020304" pitchFamily="18" charset="0"/>
                       </a:endParaRPr>
                     </a:p>
                   </a:txBody>
-                  <a:tcPr marL="68580" marR="68580" marT="0" marB="0"/>
+                  <a:tcPr marL="48209" marR="48209" marT="0" marB="0"/>
                 </a:tc>
                 <a:tc>
                   <a:txBody>
@@ -5016,24 +5394,518 @@
                     <a:lstStyle/>
                     <a:p>
                       <a:r>
-                        <a:rPr lang="en-VN" sz="1300" dirty="0">
+                        <a:rPr lang="en-US" sz="1000">
                           <a:effectLst/>
                         </a:rPr>
                         <a:t> </a:t>
                       </a:r>
-                      <a:endParaRPr lang="en-VN" sz="1200" dirty="0">
+                      <a:r>
+                        <a:rPr lang="en-US" sz="800">
+                          <a:effectLst/>
+                        </a:rPr>
+                        <a:t>Thiết kế CSDL lần 1I</a:t>
+                      </a:r>
+                      <a:endParaRPr lang="en-US" sz="800">
                         <a:effectLst/>
-                        <a:latin typeface="Calibri" panose="020F0502020204030204" pitchFamily="34" charset="0"/>
-                        <a:ea typeface="Calibri" panose="020F0502020204030204" pitchFamily="34" charset="0"/>
-                        <a:cs typeface="Times New Roman" panose="02020603050405020304" pitchFamily="18" charset="0"/>
+                        <a:latin typeface="Times New Roman" panose="02020603050405020304" pitchFamily="18" charset="0"/>
+                        <a:ea typeface="Times New Roman" panose="02020603050405020304" pitchFamily="18" charset="0"/>
                       </a:endParaRPr>
                     </a:p>
                   </a:txBody>
-                  <a:tcPr marL="68580" marR="68580" marT="0" marB="0"/>
+                  <a:tcPr marL="48209" marR="48209" marT="0" marB="0"/>
+                </a:tc>
+                <a:tc>
+                  <a:txBody>
+                    <a:bodyPr/>
+                    <a:lstStyle/>
+                    <a:p>
+                      <a:pPr algn="ctr"/>
+                      <a:r>
+                        <a:rPr lang="en-US" sz="1000">
+                          <a:effectLst/>
+                        </a:rPr>
+                        <a:t>10/10/2020 </a:t>
+                      </a:r>
+                      <a:endParaRPr lang="en-US" sz="800">
+                        <a:effectLst/>
+                        <a:latin typeface="Times New Roman" panose="02020603050405020304" pitchFamily="18" charset="0"/>
+                        <a:ea typeface="Times New Roman" panose="02020603050405020304" pitchFamily="18" charset="0"/>
+                      </a:endParaRPr>
+                    </a:p>
+                  </a:txBody>
+                  <a:tcPr marL="48209" marR="48209" marT="0" marB="0"/>
+                </a:tc>
+                <a:tc>
+                  <a:txBody>
+                    <a:bodyPr/>
+                    <a:lstStyle/>
+                    <a:p>
+                      <a:r>
+                        <a:rPr lang="en-US" sz="1000">
+                          <a:effectLst/>
+                        </a:rPr>
+                        <a:t> 19/10/2020</a:t>
+                      </a:r>
+                      <a:endParaRPr lang="en-US" sz="800">
+                        <a:effectLst/>
+                        <a:latin typeface="Times New Roman" panose="02020603050405020304" pitchFamily="18" charset="0"/>
+                        <a:ea typeface="Times New Roman" panose="02020603050405020304" pitchFamily="18" charset="0"/>
+                      </a:endParaRPr>
+                    </a:p>
+                  </a:txBody>
+                  <a:tcPr marL="48209" marR="48209" marT="0" marB="0"/>
+                </a:tc>
+                <a:tc>
+                  <a:txBody>
+                    <a:bodyPr/>
+                    <a:lstStyle/>
+                    <a:p>
+                      <a:r>
+                        <a:rPr lang="en-US" sz="1000">
+                          <a:effectLst/>
+                        </a:rPr>
+                        <a:t> </a:t>
+                      </a:r>
+                      <a:r>
+                        <a:rPr lang="en-US" sz="800">
+                          <a:effectLst/>
+                        </a:rPr>
+                        <a:t> Chi tiết trong biên bản họp nhóm lần 3</a:t>
+                      </a:r>
+                    </a:p>
+                    <a:p>
+                      <a:r>
+                        <a:rPr lang="en-US" sz="800">
+                          <a:effectLst/>
+                        </a:rPr>
+                        <a:t> </a:t>
+                      </a:r>
+                    </a:p>
+                    <a:p>
+                      <a:r>
+                        <a:rPr lang="en-US" sz="800">
+                          <a:effectLst/>
+                        </a:rPr>
+                        <a:t> </a:t>
+                      </a:r>
+                      <a:endParaRPr lang="en-US" sz="200">
+                        <a:effectLst/>
+                        <a:latin typeface="Times New Roman" panose="02020603050405020304" pitchFamily="18" charset="0"/>
+                      </a:endParaRPr>
+                    </a:p>
+                    <a:p>
+                      <a:endParaRPr lang="en-US" sz="800">
+                        <a:effectLst/>
+                        <a:latin typeface="Times New Roman" panose="02020603050405020304" pitchFamily="18" charset="0"/>
+                        <a:ea typeface="Times New Roman" panose="02020603050405020304" pitchFamily="18" charset="0"/>
+                      </a:endParaRPr>
+                    </a:p>
+                  </a:txBody>
+                  <a:tcPr marL="48209" marR="48209" marT="0" marB="0"/>
                 </a:tc>
                 <a:extLst>
                   <a:ext uri="{0D108BD9-81ED-4DB2-BD59-A6C34878D82A}">
-                    <a16:rowId xmlns:a16="http://schemas.microsoft.com/office/drawing/2014/main" val="3330015003"/>
+                    <a16:rowId xmlns:a16="http://schemas.microsoft.com/office/drawing/2014/main" val="3519439616"/>
+                  </a:ext>
+                </a:extLst>
+              </a:tr>
+              <a:tr h="305107">
+                <a:tc>
+                  <a:txBody>
+                    <a:bodyPr/>
+                    <a:lstStyle/>
+                    <a:p>
+                      <a:r>
+                        <a:rPr lang="en-US" sz="1000">
+                          <a:effectLst/>
+                        </a:rPr>
+                        <a:t> </a:t>
+                      </a:r>
+                      <a:endParaRPr lang="en-US" sz="800">
+                        <a:effectLst/>
+                        <a:latin typeface="Times New Roman" panose="02020603050405020304" pitchFamily="18" charset="0"/>
+                        <a:ea typeface="Times New Roman" panose="02020603050405020304" pitchFamily="18" charset="0"/>
+                      </a:endParaRPr>
+                    </a:p>
+                  </a:txBody>
+                  <a:tcPr marL="48209" marR="48209" marT="0" marB="0"/>
+                </a:tc>
+                <a:tc>
+                  <a:txBody>
+                    <a:bodyPr/>
+                    <a:lstStyle/>
+                    <a:p>
+                      <a:r>
+                        <a:rPr lang="en-US" sz="1000">
+                          <a:effectLst/>
+                        </a:rPr>
+                        <a:t> LÊ THANH HIỆP</a:t>
+                      </a:r>
+                      <a:endParaRPr lang="en-US" sz="800">
+                        <a:effectLst/>
+                        <a:latin typeface="Times New Roman" panose="02020603050405020304" pitchFamily="18" charset="0"/>
+                        <a:ea typeface="Times New Roman" panose="02020603050405020304" pitchFamily="18" charset="0"/>
+                      </a:endParaRPr>
+                    </a:p>
+                  </a:txBody>
+                  <a:tcPr marL="48209" marR="48209" marT="0" marB="0"/>
+                </a:tc>
+                <a:tc>
+                  <a:txBody>
+                    <a:bodyPr/>
+                    <a:lstStyle/>
+                    <a:p>
+                      <a:r>
+                        <a:rPr lang="en-US" sz="1000">
+                          <a:effectLst/>
+                        </a:rPr>
+                        <a:t> thiết kế giao diện lần I</a:t>
+                      </a:r>
+                      <a:endParaRPr lang="en-US" sz="800">
+                        <a:effectLst/>
+                        <a:latin typeface="Times New Roman" panose="02020603050405020304" pitchFamily="18" charset="0"/>
+                        <a:ea typeface="Times New Roman" panose="02020603050405020304" pitchFamily="18" charset="0"/>
+                      </a:endParaRPr>
+                    </a:p>
+                  </a:txBody>
+                  <a:tcPr marL="48209" marR="48209" marT="0" marB="0"/>
+                </a:tc>
+                <a:tc>
+                  <a:txBody>
+                    <a:bodyPr/>
+                    <a:lstStyle/>
+                    <a:p>
+                      <a:pPr algn="ctr"/>
+                      <a:r>
+                        <a:rPr lang="en-US" sz="1000">
+                          <a:effectLst/>
+                        </a:rPr>
+                        <a:t>2/11/2020 </a:t>
+                      </a:r>
+                      <a:endParaRPr lang="en-US" sz="800">
+                        <a:effectLst/>
+                        <a:latin typeface="Times New Roman" panose="02020603050405020304" pitchFamily="18" charset="0"/>
+                        <a:ea typeface="Times New Roman" panose="02020603050405020304" pitchFamily="18" charset="0"/>
+                      </a:endParaRPr>
+                    </a:p>
+                  </a:txBody>
+                  <a:tcPr marL="48209" marR="48209" marT="0" marB="0"/>
+                </a:tc>
+                <a:tc>
+                  <a:txBody>
+                    <a:bodyPr/>
+                    <a:lstStyle/>
+                    <a:p>
+                      <a:r>
+                        <a:rPr lang="en-US" sz="1000">
+                          <a:effectLst/>
+                        </a:rPr>
+                        <a:t> 12/11/2020</a:t>
+                      </a:r>
+                      <a:endParaRPr lang="en-US" sz="800">
+                        <a:effectLst/>
+                        <a:latin typeface="Times New Roman" panose="02020603050405020304" pitchFamily="18" charset="0"/>
+                        <a:ea typeface="Times New Roman" panose="02020603050405020304" pitchFamily="18" charset="0"/>
+                      </a:endParaRPr>
+                    </a:p>
+                  </a:txBody>
+                  <a:tcPr marL="48209" marR="48209" marT="0" marB="0"/>
+                </a:tc>
+                <a:tc>
+                  <a:txBody>
+                    <a:bodyPr/>
+                    <a:lstStyle/>
+                    <a:p>
+                      <a:r>
+                        <a:rPr lang="en-US" sz="1000">
+                          <a:effectLst/>
+                        </a:rPr>
+                        <a:t> </a:t>
+                      </a:r>
+                      <a:r>
+                        <a:rPr lang="en-US" sz="800">
+                          <a:effectLst/>
+                        </a:rPr>
+                        <a:t> Chi tiết trong biên bản họp nhóm lần 5</a:t>
+                      </a:r>
+                    </a:p>
+                    <a:p>
+                      <a:r>
+                        <a:rPr lang="en-US" sz="800">
+                          <a:effectLst/>
+                        </a:rPr>
+                        <a:t> </a:t>
+                      </a:r>
+                    </a:p>
+                    <a:p>
+                      <a:r>
+                        <a:rPr lang="en-US" sz="800">
+                          <a:effectLst/>
+                        </a:rPr>
+                        <a:t> </a:t>
+                      </a:r>
+                      <a:endParaRPr lang="en-US" sz="200">
+                        <a:effectLst/>
+                        <a:latin typeface="Times New Roman" panose="02020603050405020304" pitchFamily="18" charset="0"/>
+                      </a:endParaRPr>
+                    </a:p>
+                    <a:p>
+                      <a:endParaRPr lang="en-US" sz="800">
+                        <a:effectLst/>
+                        <a:latin typeface="Times New Roman" panose="02020603050405020304" pitchFamily="18" charset="0"/>
+                        <a:ea typeface="Times New Roman" panose="02020603050405020304" pitchFamily="18" charset="0"/>
+                      </a:endParaRPr>
+                    </a:p>
+                  </a:txBody>
+                  <a:tcPr marL="48209" marR="48209" marT="0" marB="0"/>
+                </a:tc>
+                <a:extLst>
+                  <a:ext uri="{0D108BD9-81ED-4DB2-BD59-A6C34878D82A}">
+                    <a16:rowId xmlns:a16="http://schemas.microsoft.com/office/drawing/2014/main" val="2430071163"/>
+                  </a:ext>
+                </a:extLst>
+              </a:tr>
+              <a:tr h="305107">
+                <a:tc>
+                  <a:txBody>
+                    <a:bodyPr/>
+                    <a:lstStyle/>
+                    <a:p>
+                      <a:endParaRPr lang="en-US" sz="800">
+                        <a:effectLst/>
+                        <a:latin typeface="Times New Roman" panose="02020603050405020304" pitchFamily="18" charset="0"/>
+                        <a:ea typeface="Times New Roman" panose="02020603050405020304" pitchFamily="18" charset="0"/>
+                      </a:endParaRPr>
+                    </a:p>
+                  </a:txBody>
+                  <a:tcPr marL="48209" marR="48209" marT="0" marB="0"/>
+                </a:tc>
+                <a:tc>
+                  <a:txBody>
+                    <a:bodyPr/>
+                    <a:lstStyle/>
+                    <a:p>
+                      <a:r>
+                        <a:rPr lang="en-GB" sz="800">
+                          <a:effectLst/>
+                          <a:latin typeface="Times New Roman" panose="02020603050405020304" pitchFamily="18" charset="0"/>
+                          <a:ea typeface="Times New Roman" panose="02020603050405020304" pitchFamily="18" charset="0"/>
+                        </a:rPr>
+                        <a:t>LÊ THANH HIỆP</a:t>
+                      </a:r>
+                      <a:endParaRPr lang="en-US" sz="800">
+                        <a:effectLst/>
+                        <a:latin typeface="Times New Roman" panose="02020603050405020304" pitchFamily="18" charset="0"/>
+                        <a:ea typeface="Times New Roman" panose="02020603050405020304" pitchFamily="18" charset="0"/>
+                      </a:endParaRPr>
+                    </a:p>
+                  </a:txBody>
+                  <a:tcPr marL="48209" marR="48209" marT="0" marB="0"/>
+                </a:tc>
+                <a:tc>
+                  <a:txBody>
+                    <a:bodyPr/>
+                    <a:lstStyle/>
+                    <a:p>
+                      <a:r>
+                        <a:rPr lang="en-US" sz="800">
+                          <a:effectLst/>
+                        </a:rPr>
+                        <a:t>thiết kế giao diện lần II</a:t>
+                      </a:r>
+                      <a:endParaRPr lang="en-US" sz="800">
+                        <a:effectLst/>
+                        <a:latin typeface="Times New Roman" panose="02020603050405020304" pitchFamily="18" charset="0"/>
+                        <a:ea typeface="Times New Roman" panose="02020603050405020304" pitchFamily="18" charset="0"/>
+                      </a:endParaRPr>
+                    </a:p>
+                  </a:txBody>
+                  <a:tcPr marL="48209" marR="48209" marT="0" marB="0"/>
+                </a:tc>
+                <a:tc>
+                  <a:txBody>
+                    <a:bodyPr/>
+                    <a:lstStyle/>
+                    <a:p>
+                      <a:pPr algn="ctr"/>
+                      <a:r>
+                        <a:rPr lang="en-GB" sz="800">
+                          <a:effectLst/>
+                          <a:latin typeface="Times New Roman" panose="02020603050405020304" pitchFamily="18" charset="0"/>
+                          <a:ea typeface="Times New Roman" panose="02020603050405020304" pitchFamily="18" charset="0"/>
+                        </a:rPr>
+                        <a:t>13/11/2020</a:t>
+                      </a:r>
+                      <a:endParaRPr lang="en-US" sz="800">
+                        <a:effectLst/>
+                        <a:latin typeface="Times New Roman" panose="02020603050405020304" pitchFamily="18" charset="0"/>
+                        <a:ea typeface="Times New Roman" panose="02020603050405020304" pitchFamily="18" charset="0"/>
+                      </a:endParaRPr>
+                    </a:p>
+                  </a:txBody>
+                  <a:tcPr marL="48209" marR="48209" marT="0" marB="0"/>
+                </a:tc>
+                <a:tc>
+                  <a:txBody>
+                    <a:bodyPr/>
+                    <a:lstStyle/>
+                    <a:p>
+                      <a:r>
+                        <a:rPr lang="en-GB" sz="800">
+                          <a:effectLst/>
+                          <a:latin typeface="Times New Roman" panose="02020603050405020304" pitchFamily="18" charset="0"/>
+                          <a:ea typeface="Times New Roman" panose="02020603050405020304" pitchFamily="18" charset="0"/>
+                        </a:rPr>
+                        <a:t>15/11/2020</a:t>
+                      </a:r>
+                      <a:endParaRPr lang="en-US" sz="800">
+                        <a:effectLst/>
+                        <a:latin typeface="Times New Roman" panose="02020603050405020304" pitchFamily="18" charset="0"/>
+                        <a:ea typeface="Times New Roman" panose="02020603050405020304" pitchFamily="18" charset="0"/>
+                      </a:endParaRPr>
+                    </a:p>
+                  </a:txBody>
+                  <a:tcPr marL="48209" marR="48209" marT="0" marB="0"/>
+                </a:tc>
+                <a:tc>
+                  <a:txBody>
+                    <a:bodyPr/>
+                    <a:lstStyle/>
+                    <a:p>
+                      <a:endParaRPr lang="en-US" sz="800">
+                        <a:effectLst/>
+                        <a:latin typeface="Times New Roman" panose="02020603050405020304" pitchFamily="18" charset="0"/>
+                        <a:ea typeface="Times New Roman" panose="02020603050405020304" pitchFamily="18" charset="0"/>
+                      </a:endParaRPr>
+                    </a:p>
+                  </a:txBody>
+                  <a:tcPr marL="48209" marR="48209" marT="0" marB="0"/>
+                </a:tc>
+                <a:extLst>
+                  <a:ext uri="{0D108BD9-81ED-4DB2-BD59-A6C34878D82A}">
+                    <a16:rowId xmlns:a16="http://schemas.microsoft.com/office/drawing/2014/main" val="2187051210"/>
+                  </a:ext>
+                </a:extLst>
+              </a:tr>
+              <a:tr h="305107">
+                <a:tc>
+                  <a:txBody>
+                    <a:bodyPr/>
+                    <a:lstStyle/>
+                    <a:p>
+                      <a:endParaRPr lang="en-US" sz="800">
+                        <a:effectLst/>
+                        <a:latin typeface="Times New Roman" panose="02020603050405020304" pitchFamily="18" charset="0"/>
+                        <a:ea typeface="Times New Roman" panose="02020603050405020304" pitchFamily="18" charset="0"/>
+                      </a:endParaRPr>
+                    </a:p>
+                  </a:txBody>
+                  <a:tcPr marL="48209" marR="48209" marT="0" marB="0"/>
+                </a:tc>
+                <a:tc>
+                  <a:txBody>
+                    <a:bodyPr/>
+                    <a:lstStyle/>
+                    <a:p>
+                      <a:r>
+                        <a:rPr lang="en-GB" sz="800">
+                          <a:effectLst/>
+                          <a:latin typeface="Times New Roman" panose="02020603050405020304" pitchFamily="18" charset="0"/>
+                          <a:ea typeface="Times New Roman" panose="02020603050405020304" pitchFamily="18" charset="0"/>
+                        </a:rPr>
+                        <a:t>LÊ THANH HIỆP</a:t>
+                      </a:r>
+                      <a:endParaRPr lang="en-US" sz="800">
+                        <a:effectLst/>
+                        <a:latin typeface="Times New Roman" panose="02020603050405020304" pitchFamily="18" charset="0"/>
+                        <a:ea typeface="Times New Roman" panose="02020603050405020304" pitchFamily="18" charset="0"/>
+                      </a:endParaRPr>
+                    </a:p>
+                  </a:txBody>
+                  <a:tcPr marL="48209" marR="48209" marT="0" marB="0"/>
+                </a:tc>
+                <a:tc>
+                  <a:txBody>
+                    <a:bodyPr/>
+                    <a:lstStyle/>
+                    <a:p>
+                      <a:r>
+                        <a:rPr lang="en-US" sz="800">
+                          <a:effectLst/>
+                        </a:rPr>
+                        <a:t>thiết kế giao diện lần III</a:t>
+                      </a:r>
+                      <a:endParaRPr lang="en-US" sz="800">
+                        <a:effectLst/>
+                        <a:latin typeface="Times New Roman" panose="02020603050405020304" pitchFamily="18" charset="0"/>
+                        <a:ea typeface="Times New Roman" panose="02020603050405020304" pitchFamily="18" charset="0"/>
+                      </a:endParaRPr>
+                    </a:p>
+                  </a:txBody>
+                  <a:tcPr marL="48209" marR="48209" marT="0" marB="0"/>
+                </a:tc>
+                <a:tc>
+                  <a:txBody>
+                    <a:bodyPr/>
+                    <a:lstStyle/>
+                    <a:p>
+                      <a:pPr algn="ctr"/>
+                      <a:r>
+                        <a:rPr lang="en-GB" sz="800">
+                          <a:effectLst/>
+                          <a:latin typeface="Times New Roman" panose="02020603050405020304" pitchFamily="18" charset="0"/>
+                          <a:ea typeface="Times New Roman" panose="02020603050405020304" pitchFamily="18" charset="0"/>
+                        </a:rPr>
+                        <a:t>16/11/2020</a:t>
+                      </a:r>
+                      <a:endParaRPr lang="en-US" sz="800">
+                        <a:effectLst/>
+                        <a:latin typeface="Times New Roman" panose="02020603050405020304" pitchFamily="18" charset="0"/>
+                        <a:ea typeface="Times New Roman" panose="02020603050405020304" pitchFamily="18" charset="0"/>
+                      </a:endParaRPr>
+                    </a:p>
+                  </a:txBody>
+                  <a:tcPr marL="48209" marR="48209" marT="0" marB="0"/>
+                </a:tc>
+                <a:tc>
+                  <a:txBody>
+                    <a:bodyPr/>
+                    <a:lstStyle/>
+                    <a:p>
+                      <a:r>
+                        <a:rPr lang="en-GB" sz="800">
+                          <a:effectLst/>
+                          <a:latin typeface="Times New Roman" panose="02020603050405020304" pitchFamily="18" charset="0"/>
+                          <a:ea typeface="Times New Roman" panose="02020603050405020304" pitchFamily="18" charset="0"/>
+                        </a:rPr>
+                        <a:t>30/11/2020</a:t>
+                      </a:r>
+                      <a:endParaRPr lang="en-US" sz="800">
+                        <a:effectLst/>
+                        <a:latin typeface="Times New Roman" panose="02020603050405020304" pitchFamily="18" charset="0"/>
+                        <a:ea typeface="Times New Roman" panose="02020603050405020304" pitchFamily="18" charset="0"/>
+                      </a:endParaRPr>
+                    </a:p>
+                  </a:txBody>
+                  <a:tcPr marL="48209" marR="48209" marT="0" marB="0"/>
+                </a:tc>
+                <a:tc>
+                  <a:txBody>
+                    <a:bodyPr/>
+                    <a:lstStyle/>
+                    <a:p>
+                      <a:endParaRPr lang="en-US" sz="800">
+                        <a:effectLst/>
+                        <a:latin typeface="Times New Roman" panose="02020603050405020304" pitchFamily="18" charset="0"/>
+                        <a:ea typeface="Times New Roman" panose="02020603050405020304" pitchFamily="18" charset="0"/>
+                      </a:endParaRPr>
+                    </a:p>
+                  </a:txBody>
+                  <a:tcPr marL="48209" marR="48209" marT="0" marB="0"/>
+                </a:tc>
+                <a:extLst>
+                  <a:ext uri="{0D108BD9-81ED-4DB2-BD59-A6C34878D82A}">
+                    <a16:rowId xmlns:a16="http://schemas.microsoft.com/office/drawing/2014/main" val="2283217835"/>
                   </a:ext>
                 </a:extLst>
               </a:tr>
@@ -5051,13 +5923,13 @@
   <p:clrMapOvr>
     <a:masterClrMapping/>
   </p:clrMapOvr>
-  <mc:AlternateContent xmlns:mc="http://schemas.openxmlformats.org/markup-compatibility/2006">
-    <mc:Choice xmlns:p14="http://schemas.microsoft.com/office/powerpoint/2010/main" Requires="p14">
+  <mc:AlternateContent xmlns:mc="http://schemas.openxmlformats.org/markup-compatibility/2006" xmlns:p14="http://schemas.microsoft.com/office/powerpoint/2010/main">
+    <mc:Choice Requires="p14">
       <p:transition spd="slow" p14:dur="3400">
         <p14:reveal/>
       </p:transition>
     </mc:Choice>
-    <mc:Fallback>
+    <mc:Fallback xmlns="">
       <p:transition spd="slow">
         <p:fade/>
       </p:transition>
@@ -5275,13 +6147,13 @@
   <p:clrMapOvr>
     <a:masterClrMapping/>
   </p:clrMapOvr>
-  <mc:AlternateContent xmlns:mc="http://schemas.openxmlformats.org/markup-compatibility/2006">
-    <mc:Choice xmlns:p14="http://schemas.microsoft.com/office/powerpoint/2010/main" Requires="p14">
+  <mc:AlternateContent xmlns:mc="http://schemas.openxmlformats.org/markup-compatibility/2006" xmlns:p14="http://schemas.microsoft.com/office/powerpoint/2010/main">
+    <mc:Choice Requires="p14">
       <p:transition spd="med" p14:dur="700">
         <p:fade/>
       </p:transition>
     </mc:Choice>
-    <mc:Fallback>
+    <mc:Fallback xmlns="">
       <p:transition spd="med">
         <p:fade/>
       </p:transition>
@@ -7980,13 +8852,13 @@
   <p:clrMapOvr>
     <a:masterClrMapping/>
   </p:clrMapOvr>
-  <mc:AlternateContent xmlns:mc="http://schemas.openxmlformats.org/markup-compatibility/2006">
-    <mc:Choice xmlns:p15="http://schemas.microsoft.com/office/powerpoint/2012/main" Requires="p15">
+  <mc:AlternateContent xmlns:mc="http://schemas.openxmlformats.org/markup-compatibility/2006" xmlns:p15="http://schemas.microsoft.com/office/powerpoint/2012/main">
+    <mc:Choice Requires="p15">
       <p:transition xmlns:p14="http://schemas.microsoft.com/office/powerpoint/2010/main" spd="slow" p14:dur="6000">
         <p15:prstTrans prst="curtains"/>
       </p:transition>
     </mc:Choice>
-    <mc:Fallback>
+    <mc:Fallback xmlns="">
       <p:transition spd="slow">
         <p:fade/>
       </p:transition>
@@ -9325,13 +10197,13 @@
   <p:clrMapOvr>
     <a:masterClrMapping/>
   </p:clrMapOvr>
-  <mc:AlternateContent xmlns:mc="http://schemas.openxmlformats.org/markup-compatibility/2006">
-    <mc:Choice xmlns:p15="http://schemas.microsoft.com/office/powerpoint/2012/main" Requires="p15">
+  <mc:AlternateContent xmlns:mc="http://schemas.openxmlformats.org/markup-compatibility/2006" xmlns:p15="http://schemas.microsoft.com/office/powerpoint/2012/main">
+    <mc:Choice Requires="p15">
       <p:transition xmlns:p14="http://schemas.microsoft.com/office/powerpoint/2010/main" spd="slow" p14:dur="2000">
         <p15:prstTrans prst="prestige"/>
       </p:transition>
     </mc:Choice>
-    <mc:Fallback>
+    <mc:Fallback xmlns="">
       <p:transition spd="slow">
         <p:fade/>
       </p:transition>
@@ -9567,36 +10439,36 @@
           </a:p>
         </p:txBody>
       </p:sp>
-      <p:sp>
-        <p:nvSpPr>
-          <p:cNvPr id="3" name="Content Placeholder 2">
+      <p:pic>
+        <p:nvPicPr>
+          <p:cNvPr id="5" name="Picture 4">
             <a:extLst>
               <a:ext uri="{FF2B5EF4-FFF2-40B4-BE49-F238E27FC236}">
-                <a16:creationId xmlns:a16="http://schemas.microsoft.com/office/drawing/2014/main" id="{7394569C-7CFD-BC4C-B5E4-2E9CA7C8E349}"/>
+                <a16:creationId xmlns:a16="http://schemas.microsoft.com/office/drawing/2014/main" id="{0B86139D-DE08-4272-BC90-0D75FA56E803}"/>
               </a:ext>
             </a:extLst>
           </p:cNvPr>
-          <p:cNvSpPr>
-            <a:spLocks noGrp="1"/>
-          </p:cNvSpPr>
-          <p:nvPr>
-            <p:ph idx="1"/>
-          </p:nvPr>
-        </p:nvSpPr>
-        <p:spPr/>
-        <p:txBody>
-          <a:bodyPr>
-            <a:normAutofit/>
-          </a:bodyPr>
-          <a:lstStyle/>
-          <a:p>
-            <a:endParaRPr lang="en-VN" sz="1300" dirty="0">
-              <a:latin typeface="Times New Roman" panose="02020603050405020304" pitchFamily="18" charset="0"/>
-              <a:cs typeface="Times New Roman" panose="02020603050405020304" pitchFamily="18" charset="0"/>
-            </a:endParaRPr>
-          </a:p>
-        </p:txBody>
-      </p:sp>
+          <p:cNvPicPr>
+            <a:picLocks noChangeAspect="1"/>
+          </p:cNvPicPr>
+          <p:nvPr/>
+        </p:nvPicPr>
+        <p:blipFill>
+          <a:blip r:embed="rId2"/>
+          <a:stretch>
+            <a:fillRect/>
+          </a:stretch>
+        </p:blipFill>
+        <p:spPr>
+          <a:xfrm>
+            <a:off x="2068497" y="2015231"/>
+            <a:ext cx="8397284" cy="4038250"/>
+          </a:xfrm>
+          <a:prstGeom prst="rect">
+            <a:avLst/>
+          </a:prstGeom>
+        </p:spPr>
+      </p:pic>
     </p:spTree>
     <p:extLst>
       <p:ext uri="{BB962C8B-B14F-4D97-AF65-F5344CB8AC3E}">
@@ -9607,13 +10479,13 @@
   <p:clrMapOvr>
     <a:masterClrMapping/>
   </p:clrMapOvr>
-  <mc:AlternateContent xmlns:mc="http://schemas.openxmlformats.org/markup-compatibility/2006">
-    <mc:Choice xmlns:p14="http://schemas.microsoft.com/office/powerpoint/2010/main" Requires="p14">
+  <mc:AlternateContent xmlns:mc="http://schemas.openxmlformats.org/markup-compatibility/2006" xmlns:p14="http://schemas.microsoft.com/office/powerpoint/2010/main">
+    <mc:Choice Requires="p14">
       <p:transition spd="slow" p14:dur="1300">
         <p14:pan dir="u"/>
       </p:transition>
     </mc:Choice>
-    <mc:Fallback>
+    <mc:Fallback xmlns="">
       <p:transition spd="slow">
         <p:fade/>
       </p:transition>
@@ -9712,13 +10584,13 @@
   <p:clrMapOvr>
     <a:masterClrMapping/>
   </p:clrMapOvr>
-  <mc:AlternateContent xmlns:mc="http://schemas.openxmlformats.org/markup-compatibility/2006">
-    <mc:Choice xmlns:p14="http://schemas.microsoft.com/office/powerpoint/2010/main" Requires="p14">
+  <mc:AlternateContent xmlns:mc="http://schemas.openxmlformats.org/markup-compatibility/2006" xmlns:p14="http://schemas.microsoft.com/office/powerpoint/2010/main">
+    <mc:Choice Requires="p14">
       <p:transition spd="slow" p14:dur="1600">
         <p14:gallery dir="l"/>
       </p:transition>
     </mc:Choice>
-    <mc:Fallback>
+    <mc:Fallback xmlns="">
       <p:transition spd="slow">
         <p:fade/>
       </p:transition>
@@ -9847,13 +10719,13 @@
   <p:clrMapOvr>
     <a:masterClrMapping/>
   </p:clrMapOvr>
-  <mc:AlternateContent xmlns:mc="http://schemas.openxmlformats.org/markup-compatibility/2006">
-    <mc:Choice xmlns:p15="http://schemas.microsoft.com/office/powerpoint/2012/main" Requires="p15">
+  <mc:AlternateContent xmlns:mc="http://schemas.openxmlformats.org/markup-compatibility/2006" xmlns:p15="http://schemas.microsoft.com/office/powerpoint/2012/main">
+    <mc:Choice Requires="p15">
       <p:transition xmlns:p14="http://schemas.microsoft.com/office/powerpoint/2010/main" spd="slow" p14:dur="3250">
         <p15:prstTrans prst="origami"/>
       </p:transition>
     </mc:Choice>
-    <mc:Fallback>
+    <mc:Fallback xmlns="">
       <p:transition spd="slow">
         <p:fade/>
       </p:transition>
